--- a/mysite4_sequencediagram(전체).pptx
+++ b/mysite4_sequencediagram(전체).pptx
@@ -5,7 +5,7 @@
     <p:sldMasterId id="2147483660" r:id="rId1"/>
   </p:sldMasterIdLst>
   <p:notesMasterIdLst>
-    <p:notesMasterId r:id="rId7"/>
+    <p:notesMasterId r:id="rId8"/>
   </p:notesMasterIdLst>
   <p:sldIdLst>
     <p:sldId id="258" r:id="rId2"/>
@@ -13,6 +13,7 @@
     <p:sldId id="260" r:id="rId4"/>
     <p:sldId id="261" r:id="rId5"/>
     <p:sldId id="262" r:id="rId6"/>
+    <p:sldId id="269" r:id="rId7"/>
   </p:sldIdLst>
   <p:sldSz cx="15119350" cy="6858000"/>
   <p:notesSz cx="6858000" cy="9144000"/>
@@ -201,7 +202,7 @@
           <a:p>
             <a:fld id="{48A32A9B-EB5D-48A3-9252-A1176A01FF69}" type="datetimeFigureOut">
               <a:rPr lang="ko-KR" altLang="en-US" smtClean="0"/>
-              <a:t>2022-01-26</a:t>
+              <a:t>2022-02-03</a:t>
             </a:fld>
             <a:endParaRPr lang="ko-KR" altLang="en-US"/>
           </a:p>
@@ -599,7 +600,7 @@
           <a:p>
             <a:fld id="{243B3942-B8A6-4289-81E2-11C0B6F800A8}" type="datetimeFigureOut">
               <a:rPr lang="ko-KR" altLang="en-US" smtClean="0"/>
-              <a:t>2022-01-26</a:t>
+              <a:t>2022-02-03</a:t>
             </a:fld>
             <a:endParaRPr lang="ko-KR" altLang="en-US"/>
           </a:p>
@@ -769,7 +770,7 @@
           <a:p>
             <a:fld id="{243B3942-B8A6-4289-81E2-11C0B6F800A8}" type="datetimeFigureOut">
               <a:rPr lang="ko-KR" altLang="en-US" smtClean="0"/>
-              <a:t>2022-01-26</a:t>
+              <a:t>2022-02-03</a:t>
             </a:fld>
             <a:endParaRPr lang="ko-KR" altLang="en-US"/>
           </a:p>
@@ -949,7 +950,7 @@
           <a:p>
             <a:fld id="{243B3942-B8A6-4289-81E2-11C0B6F800A8}" type="datetimeFigureOut">
               <a:rPr lang="ko-KR" altLang="en-US" smtClean="0"/>
-              <a:t>2022-01-26</a:t>
+              <a:t>2022-02-03</a:t>
             </a:fld>
             <a:endParaRPr lang="ko-KR" altLang="en-US"/>
           </a:p>
@@ -2164,7 +2165,7 @@
           <a:p>
             <a:fld id="{243B3942-B8A6-4289-81E2-11C0B6F800A8}" type="datetimeFigureOut">
               <a:rPr lang="ko-KR" altLang="en-US" smtClean="0"/>
-              <a:t>2022-01-26</a:t>
+              <a:t>2022-02-03</a:t>
             </a:fld>
             <a:endParaRPr lang="ko-KR" altLang="en-US"/>
           </a:p>
@@ -2396,7 +2397,7 @@
           <a:p>
             <a:fld id="{243B3942-B8A6-4289-81E2-11C0B6F800A8}" type="datetimeFigureOut">
               <a:rPr lang="ko-KR" altLang="en-US" smtClean="0"/>
-              <a:t>2022-01-26</a:t>
+              <a:t>2022-02-03</a:t>
             </a:fld>
             <a:endParaRPr lang="ko-KR" altLang="en-US"/>
           </a:p>
@@ -2763,7 +2764,7 @@
           <a:p>
             <a:fld id="{243B3942-B8A6-4289-81E2-11C0B6F800A8}" type="datetimeFigureOut">
               <a:rPr lang="ko-KR" altLang="en-US" smtClean="0"/>
-              <a:t>2022-01-26</a:t>
+              <a:t>2022-02-03</a:t>
             </a:fld>
             <a:endParaRPr lang="ko-KR" altLang="en-US"/>
           </a:p>
@@ -2881,7 +2882,7 @@
           <a:p>
             <a:fld id="{243B3942-B8A6-4289-81E2-11C0B6F800A8}" type="datetimeFigureOut">
               <a:rPr lang="ko-KR" altLang="en-US" smtClean="0"/>
-              <a:t>2022-01-26</a:t>
+              <a:t>2022-02-03</a:t>
             </a:fld>
             <a:endParaRPr lang="ko-KR" altLang="en-US"/>
           </a:p>
@@ -2976,7 +2977,7 @@
           <a:p>
             <a:fld id="{243B3942-B8A6-4289-81E2-11C0B6F800A8}" type="datetimeFigureOut">
               <a:rPr lang="ko-KR" altLang="en-US" smtClean="0"/>
-              <a:t>2022-01-26</a:t>
+              <a:t>2022-02-03</a:t>
             </a:fld>
             <a:endParaRPr lang="ko-KR" altLang="en-US"/>
           </a:p>
@@ -3253,7 +3254,7 @@
           <a:p>
             <a:fld id="{243B3942-B8A6-4289-81E2-11C0B6F800A8}" type="datetimeFigureOut">
               <a:rPr lang="ko-KR" altLang="en-US" smtClean="0"/>
-              <a:t>2022-01-26</a:t>
+              <a:t>2022-02-03</a:t>
             </a:fld>
             <a:endParaRPr lang="ko-KR" altLang="en-US"/>
           </a:p>
@@ -3510,7 +3511,7 @@
           <a:p>
             <a:fld id="{243B3942-B8A6-4289-81E2-11C0B6F800A8}" type="datetimeFigureOut">
               <a:rPr lang="ko-KR" altLang="en-US" smtClean="0"/>
-              <a:t>2022-01-26</a:t>
+              <a:t>2022-02-03</a:t>
             </a:fld>
             <a:endParaRPr lang="ko-KR" altLang="en-US"/>
           </a:p>
@@ -3723,7 +3724,7 @@
           <a:p>
             <a:fld id="{243B3942-B8A6-4289-81E2-11C0B6F800A8}" type="datetimeFigureOut">
               <a:rPr lang="ko-KR" altLang="en-US" smtClean="0"/>
-              <a:t>2022-01-26</a:t>
+              <a:t>2022-02-03</a:t>
             </a:fld>
             <a:endParaRPr lang="ko-KR" altLang="en-US"/>
           </a:p>
@@ -21513,6 +21514,2216 @@
     <p:extLst>
       <p:ext uri="{BB962C8B-B14F-4D97-AF65-F5344CB8AC3E}">
         <p14:creationId xmlns:p14="http://schemas.microsoft.com/office/powerpoint/2010/main" val="3095918756"/>
+      </p:ext>
+    </p:extLst>
+  </p:cSld>
+  <p:clrMapOvr>
+    <a:masterClrMapping/>
+  </p:clrMapOvr>
+</p:sld>
+</file>
+
+<file path=ppt/slides/slide6.xml><?xml version="1.0" encoding="utf-8"?>
+<p:sld xmlns:a="http://schemas.openxmlformats.org/drawingml/2006/main" xmlns:r="http://schemas.openxmlformats.org/officeDocument/2006/relationships" xmlns:p="http://schemas.openxmlformats.org/presentationml/2006/main">
+  <p:cSld>
+    <p:spTree>
+      <p:nvGrpSpPr>
+        <p:cNvPr id="1" name=""/>
+        <p:cNvGrpSpPr/>
+        <p:nvPr/>
+      </p:nvGrpSpPr>
+      <p:grpSpPr>
+        <a:xfrm>
+          <a:off x="0" y="0"/>
+          <a:ext cx="0" cy="0"/>
+          <a:chOff x="0" y="0"/>
+          <a:chExt cx="0" cy="0"/>
+        </a:xfrm>
+      </p:grpSpPr>
+      <p:sp>
+        <p:nvSpPr>
+          <p:cNvPr id="2" name="제목 1">
+            <a:extLst>
+              <a:ext uri="{FF2B5EF4-FFF2-40B4-BE49-F238E27FC236}">
+                <a16:creationId xmlns:a16="http://schemas.microsoft.com/office/drawing/2014/main" id="{A8BE924C-A22C-402D-BEA3-0F2C60467CBA}"/>
+              </a:ext>
+            </a:extLst>
+          </p:cNvPr>
+          <p:cNvSpPr>
+            <a:spLocks noGrp="1"/>
+          </p:cNvSpPr>
+          <p:nvPr>
+            <p:ph type="title"/>
+          </p:nvPr>
+        </p:nvSpPr>
+        <p:spPr/>
+        <p:txBody>
+          <a:bodyPr/>
+          <a:lstStyle/>
+          <a:p>
+            <a:r>
+              <a:rPr lang="en-US" altLang="ko-KR"/>
+              <a:t>User</a:t>
+            </a:r>
+            <a:endParaRPr lang="ko-KR" altLang="en-US"/>
+          </a:p>
+        </p:txBody>
+      </p:sp>
+      <p:sp>
+        <p:nvSpPr>
+          <p:cNvPr id="3" name="텍스트 개체 틀 2">
+            <a:extLst>
+              <a:ext uri="{FF2B5EF4-FFF2-40B4-BE49-F238E27FC236}">
+                <a16:creationId xmlns:a16="http://schemas.microsoft.com/office/drawing/2014/main" id="{76B72795-6062-425D-92A9-9E2A3D9F1C10}"/>
+              </a:ext>
+            </a:extLst>
+          </p:cNvPr>
+          <p:cNvSpPr>
+            <a:spLocks noGrp="1"/>
+          </p:cNvSpPr>
+          <p:nvPr>
+            <p:ph type="body" sz="quarter" idx="10"/>
+          </p:nvPr>
+        </p:nvSpPr>
+        <p:spPr/>
+        <p:txBody>
+          <a:bodyPr/>
+          <a:lstStyle/>
+          <a:p>
+            <a:r>
+              <a:rPr lang="en-US" altLang="ko-KR"/>
+              <a:t>Client	</a:t>
+            </a:r>
+            <a:endParaRPr lang="ko-KR" altLang="en-US"/>
+          </a:p>
+        </p:txBody>
+      </p:sp>
+      <p:sp>
+        <p:nvSpPr>
+          <p:cNvPr id="4" name="텍스트 개체 틀 3">
+            <a:extLst>
+              <a:ext uri="{FF2B5EF4-FFF2-40B4-BE49-F238E27FC236}">
+                <a16:creationId xmlns:a16="http://schemas.microsoft.com/office/drawing/2014/main" id="{E7959796-B106-4F66-9187-37B87C60ADF2}"/>
+              </a:ext>
+            </a:extLst>
+          </p:cNvPr>
+          <p:cNvSpPr>
+            <a:spLocks noGrp="1"/>
+          </p:cNvSpPr>
+          <p:nvPr>
+            <p:ph type="body" sz="quarter" idx="11"/>
+          </p:nvPr>
+        </p:nvSpPr>
+        <p:spPr/>
+        <p:txBody>
+          <a:bodyPr/>
+          <a:lstStyle/>
+          <a:p>
+            <a:r>
+              <a:rPr lang="en-US" altLang="ko-KR" err="1"/>
+              <a:t>jsp</a:t>
+            </a:r>
+            <a:endParaRPr lang="ko-KR" altLang="en-US"/>
+          </a:p>
+        </p:txBody>
+      </p:sp>
+      <p:sp>
+        <p:nvSpPr>
+          <p:cNvPr id="5" name="텍스트 개체 틀 4">
+            <a:extLst>
+              <a:ext uri="{FF2B5EF4-FFF2-40B4-BE49-F238E27FC236}">
+                <a16:creationId xmlns:a16="http://schemas.microsoft.com/office/drawing/2014/main" id="{91057B83-52CB-474F-86A8-00FD4B652772}"/>
+              </a:ext>
+            </a:extLst>
+          </p:cNvPr>
+          <p:cNvSpPr>
+            <a:spLocks noGrp="1"/>
+          </p:cNvSpPr>
+          <p:nvPr>
+            <p:ph type="body" sz="quarter" idx="12"/>
+          </p:nvPr>
+        </p:nvSpPr>
+        <p:spPr/>
+        <p:txBody>
+          <a:bodyPr/>
+          <a:lstStyle/>
+          <a:p>
+            <a:r>
+              <a:rPr lang="en-US" altLang="ko-KR"/>
+              <a:t>controller</a:t>
+            </a:r>
+            <a:endParaRPr lang="ko-KR" altLang="en-US"/>
+          </a:p>
+        </p:txBody>
+      </p:sp>
+      <p:sp>
+        <p:nvSpPr>
+          <p:cNvPr id="6" name="텍스트 개체 틀 5">
+            <a:extLst>
+              <a:ext uri="{FF2B5EF4-FFF2-40B4-BE49-F238E27FC236}">
+                <a16:creationId xmlns:a16="http://schemas.microsoft.com/office/drawing/2014/main" id="{A40764A4-ED51-4645-9677-96C5519E7797}"/>
+              </a:ext>
+            </a:extLst>
+          </p:cNvPr>
+          <p:cNvSpPr>
+            <a:spLocks noGrp="1"/>
+          </p:cNvSpPr>
+          <p:nvPr>
+            <p:ph type="body" sz="quarter" idx="13"/>
+          </p:nvPr>
+        </p:nvSpPr>
+        <p:spPr/>
+        <p:txBody>
+          <a:bodyPr/>
+          <a:lstStyle/>
+          <a:p>
+            <a:r>
+              <a:rPr lang="en-US" altLang="ko-KR"/>
+              <a:t>service</a:t>
+            </a:r>
+            <a:endParaRPr lang="ko-KR" altLang="en-US"/>
+          </a:p>
+        </p:txBody>
+      </p:sp>
+      <p:sp>
+        <p:nvSpPr>
+          <p:cNvPr id="7" name="텍스트 개체 틀 6">
+            <a:extLst>
+              <a:ext uri="{FF2B5EF4-FFF2-40B4-BE49-F238E27FC236}">
+                <a16:creationId xmlns:a16="http://schemas.microsoft.com/office/drawing/2014/main" id="{B8B198B0-D4CF-4685-BEB7-E9E1F92496F5}"/>
+              </a:ext>
+            </a:extLst>
+          </p:cNvPr>
+          <p:cNvSpPr>
+            <a:spLocks noGrp="1"/>
+          </p:cNvSpPr>
+          <p:nvPr>
+            <p:ph type="body" sz="quarter" idx="14"/>
+          </p:nvPr>
+        </p:nvSpPr>
+        <p:spPr/>
+        <p:txBody>
+          <a:bodyPr/>
+          <a:lstStyle/>
+          <a:p>
+            <a:r>
+              <a:rPr lang="en-US" altLang="ko-KR" err="1"/>
+              <a:t>dao</a:t>
+            </a:r>
+            <a:endParaRPr lang="ko-KR" altLang="en-US"/>
+          </a:p>
+        </p:txBody>
+      </p:sp>
+      <p:sp>
+        <p:nvSpPr>
+          <p:cNvPr id="8" name="텍스트 개체 틀 7">
+            <a:extLst>
+              <a:ext uri="{FF2B5EF4-FFF2-40B4-BE49-F238E27FC236}">
+                <a16:creationId xmlns:a16="http://schemas.microsoft.com/office/drawing/2014/main" id="{4BBD5AA0-AD61-474C-85F7-6910EFC3D8BD}"/>
+              </a:ext>
+            </a:extLst>
+          </p:cNvPr>
+          <p:cNvSpPr>
+            <a:spLocks noGrp="1"/>
+          </p:cNvSpPr>
+          <p:nvPr>
+            <p:ph type="body" sz="quarter" idx="15"/>
+          </p:nvPr>
+        </p:nvSpPr>
+        <p:spPr/>
+        <p:txBody>
+          <a:bodyPr/>
+          <a:lstStyle/>
+          <a:p>
+            <a:r>
+              <a:rPr lang="en-US" altLang="ko-KR"/>
+              <a:t>(</a:t>
+            </a:r>
+            <a:r>
+              <a:rPr lang="en-US" altLang="ko-KR" err="1"/>
+              <a:t>sqlSession</a:t>
+            </a:r>
+            <a:r>
+              <a:rPr lang="en-US" altLang="ko-KR"/>
+              <a:t>)</a:t>
+            </a:r>
+            <a:endParaRPr lang="ko-KR" altLang="en-US"/>
+          </a:p>
+        </p:txBody>
+      </p:sp>
+      <p:sp>
+        <p:nvSpPr>
+          <p:cNvPr id="9" name="텍스트 개체 틀 8">
+            <a:extLst>
+              <a:ext uri="{FF2B5EF4-FFF2-40B4-BE49-F238E27FC236}">
+                <a16:creationId xmlns:a16="http://schemas.microsoft.com/office/drawing/2014/main" id="{7C1C0937-DEA8-4ED1-98CB-43D5C3A3A78F}"/>
+              </a:ext>
+            </a:extLst>
+          </p:cNvPr>
+          <p:cNvSpPr>
+            <a:spLocks noGrp="1"/>
+          </p:cNvSpPr>
+          <p:nvPr>
+            <p:ph type="body" sz="quarter" idx="16"/>
+          </p:nvPr>
+        </p:nvSpPr>
+        <p:spPr/>
+        <p:txBody>
+          <a:bodyPr/>
+          <a:lstStyle/>
+          <a:p>
+            <a:r>
+              <a:rPr lang="en-US" altLang="ko-KR"/>
+              <a:t>xml</a:t>
+            </a:r>
+            <a:endParaRPr lang="ko-KR" altLang="en-US"/>
+          </a:p>
+        </p:txBody>
+      </p:sp>
+      <p:sp>
+        <p:nvSpPr>
+          <p:cNvPr id="10" name="텍스트 개체 틀 9">
+            <a:extLst>
+              <a:ext uri="{FF2B5EF4-FFF2-40B4-BE49-F238E27FC236}">
+                <a16:creationId xmlns:a16="http://schemas.microsoft.com/office/drawing/2014/main" id="{DFD146E5-8275-4B0F-87A1-5E7825DF5E27}"/>
+              </a:ext>
+            </a:extLst>
+          </p:cNvPr>
+          <p:cNvSpPr>
+            <a:spLocks noGrp="1"/>
+          </p:cNvSpPr>
+          <p:nvPr>
+            <p:ph type="body" sz="quarter" idx="17"/>
+          </p:nvPr>
+        </p:nvSpPr>
+        <p:spPr/>
+        <p:txBody>
+          <a:bodyPr/>
+          <a:lstStyle/>
+          <a:p>
+            <a:endParaRPr lang="en-US" altLang="ko-KR"/>
+          </a:p>
+          <a:p>
+            <a:endParaRPr lang="en-US" altLang="ko-KR"/>
+          </a:p>
+          <a:p>
+            <a:r>
+              <a:rPr lang="ko-KR" altLang="en-US" sz="1200" b="1"/>
+              <a:t>회원가입 폼</a:t>
+            </a:r>
+            <a:endParaRPr lang="en-US" altLang="ko-KR" sz="1200" b="1"/>
+          </a:p>
+          <a:p>
+            <a:r>
+              <a:rPr lang="en-US" altLang="ko-KR"/>
+              <a:t>/mysite4/user/joinForm</a:t>
+            </a:r>
+          </a:p>
+          <a:p>
+            <a:endParaRPr lang="en-US" altLang="ko-KR"/>
+          </a:p>
+          <a:p>
+            <a:endParaRPr lang="en-US" altLang="ko-KR"/>
+          </a:p>
+          <a:p>
+            <a:endParaRPr lang="en-US" altLang="ko-KR"/>
+          </a:p>
+          <a:p>
+            <a:endParaRPr lang="en-US" altLang="ko-KR"/>
+          </a:p>
+          <a:p>
+            <a:endParaRPr lang="en-US" altLang="ko-KR"/>
+          </a:p>
+          <a:p>
+            <a:r>
+              <a:rPr lang="ko-KR" altLang="en-US" sz="1200" b="1"/>
+              <a:t>아이디 중복 확인</a:t>
+            </a:r>
+            <a:endParaRPr lang="en-US" altLang="ko-KR" sz="1200" b="1"/>
+          </a:p>
+          <a:p>
+            <a:r>
+              <a:rPr lang="en-US" altLang="ko-KR"/>
+              <a:t>/mysite4/user/checkId</a:t>
+            </a:r>
+          </a:p>
+          <a:p>
+            <a:endParaRPr lang="en-US" altLang="ko-KR"/>
+          </a:p>
+          <a:p>
+            <a:endParaRPr lang="en-US" altLang="ko-KR"/>
+          </a:p>
+          <a:p>
+            <a:endParaRPr lang="en-US" altLang="ko-KR"/>
+          </a:p>
+          <a:p>
+            <a:endParaRPr lang="en-US" altLang="ko-KR"/>
+          </a:p>
+          <a:p>
+            <a:endParaRPr lang="en-US" altLang="ko-KR"/>
+          </a:p>
+          <a:p>
+            <a:endParaRPr lang="en-US" altLang="ko-KR"/>
+          </a:p>
+          <a:p>
+            <a:endParaRPr lang="en-US" altLang="ko-KR"/>
+          </a:p>
+          <a:p>
+            <a:endParaRPr lang="en-US" altLang="ko-KR"/>
+          </a:p>
+          <a:p>
+            <a:endParaRPr lang="en-US" altLang="ko-KR"/>
+          </a:p>
+          <a:p>
+            <a:endParaRPr lang="en-US" altLang="ko-KR"/>
+          </a:p>
+          <a:p>
+            <a:endParaRPr lang="en-US" altLang="ko-KR"/>
+          </a:p>
+          <a:p>
+            <a:endParaRPr lang="en-US" altLang="ko-KR"/>
+          </a:p>
+          <a:p>
+            <a:endParaRPr lang="en-US" altLang="ko-KR"/>
+          </a:p>
+          <a:p>
+            <a:endParaRPr lang="en-US" altLang="ko-KR"/>
+          </a:p>
+          <a:p>
+            <a:endParaRPr lang="en-US" altLang="ko-KR"/>
+          </a:p>
+          <a:p>
+            <a:endParaRPr lang="en-US" altLang="ko-KR"/>
+          </a:p>
+        </p:txBody>
+      </p:sp>
+      <p:sp>
+        <p:nvSpPr>
+          <p:cNvPr id="11" name="텍스트 개체 틀 10">
+            <a:extLst>
+              <a:ext uri="{FF2B5EF4-FFF2-40B4-BE49-F238E27FC236}">
+                <a16:creationId xmlns:a16="http://schemas.microsoft.com/office/drawing/2014/main" id="{703AF023-AC4B-4BF4-86CA-CC351A717D3D}"/>
+              </a:ext>
+            </a:extLst>
+          </p:cNvPr>
+          <p:cNvSpPr>
+            <a:spLocks noGrp="1"/>
+          </p:cNvSpPr>
+          <p:nvPr>
+            <p:ph type="body" sz="quarter" idx="18"/>
+          </p:nvPr>
+        </p:nvSpPr>
+        <p:spPr/>
+        <p:txBody>
+          <a:bodyPr/>
+          <a:lstStyle/>
+          <a:p>
+            <a:endParaRPr lang="en-US" altLang="ko-KR"/>
+          </a:p>
+          <a:p>
+            <a:endParaRPr lang="en-US" altLang="ko-KR"/>
+          </a:p>
+          <a:p>
+            <a:endParaRPr lang="en-US" altLang="ko-KR"/>
+          </a:p>
+          <a:p>
+            <a:endParaRPr lang="en-US" altLang="ko-KR"/>
+          </a:p>
+          <a:p>
+            <a:r>
+              <a:rPr lang="en-US" altLang="ko-KR"/>
+              <a:t>joinForm.jsp</a:t>
+            </a:r>
+          </a:p>
+          <a:p>
+            <a:endParaRPr lang="en-US" altLang="ko-KR"/>
+          </a:p>
+          <a:p>
+            <a:endParaRPr lang="en-US" altLang="ko-KR"/>
+          </a:p>
+          <a:p>
+            <a:endParaRPr lang="en-US" altLang="ko-KR"/>
+          </a:p>
+          <a:p>
+            <a:endParaRPr lang="en-US" altLang="ko-KR"/>
+          </a:p>
+          <a:p>
+            <a:endParaRPr lang="en-US" altLang="ko-KR"/>
+          </a:p>
+          <a:p>
+            <a:endParaRPr lang="en-US" altLang="ko-KR"/>
+          </a:p>
+          <a:p>
+            <a:endParaRPr lang="en-US" altLang="ko-KR"/>
+          </a:p>
+          <a:p>
+            <a:endParaRPr lang="en-US" altLang="ko-KR"/>
+          </a:p>
+          <a:p>
+            <a:endParaRPr lang="en-US" altLang="ko-KR"/>
+          </a:p>
+          <a:p>
+            <a:endParaRPr lang="en-US" altLang="ko-KR"/>
+          </a:p>
+          <a:p>
+            <a:endParaRPr lang="en-US" altLang="ko-KR"/>
+          </a:p>
+          <a:p>
+            <a:endParaRPr lang="en-US" altLang="ko-KR"/>
+          </a:p>
+          <a:p>
+            <a:endParaRPr lang="en-US" altLang="ko-KR"/>
+          </a:p>
+          <a:p>
+            <a:endParaRPr lang="en-US" altLang="ko-KR"/>
+          </a:p>
+          <a:p>
+            <a:endParaRPr lang="en-US" altLang="ko-KR"/>
+          </a:p>
+        </p:txBody>
+      </p:sp>
+      <p:sp>
+        <p:nvSpPr>
+          <p:cNvPr id="12" name="텍스트 개체 틀 11">
+            <a:extLst>
+              <a:ext uri="{FF2B5EF4-FFF2-40B4-BE49-F238E27FC236}">
+                <a16:creationId xmlns:a16="http://schemas.microsoft.com/office/drawing/2014/main" id="{14E919A3-9A7F-4D2E-9DEB-4F2F1A380056}"/>
+              </a:ext>
+            </a:extLst>
+          </p:cNvPr>
+          <p:cNvSpPr>
+            <a:spLocks noGrp="1"/>
+          </p:cNvSpPr>
+          <p:nvPr>
+            <p:ph type="body" sz="quarter" idx="19"/>
+          </p:nvPr>
+        </p:nvSpPr>
+        <p:spPr/>
+        <p:txBody>
+          <a:bodyPr/>
+          <a:lstStyle/>
+          <a:p>
+            <a:endParaRPr lang="en-US" altLang="ko-KR"/>
+          </a:p>
+          <a:p>
+            <a:endParaRPr lang="en-US" altLang="ko-KR"/>
+          </a:p>
+          <a:p>
+            <a:endParaRPr lang="en-US" altLang="ko-KR"/>
+          </a:p>
+          <a:p>
+            <a:r>
+              <a:rPr lang="en-US" altLang="ko-KR"/>
+              <a:t>/joinForm</a:t>
+            </a:r>
+          </a:p>
+          <a:p>
+            <a:r>
+              <a:rPr lang="en-US" altLang="ko-KR"/>
+              <a:t>joinForm()</a:t>
+            </a:r>
+          </a:p>
+          <a:p>
+            <a:endParaRPr lang="en-US" altLang="ko-KR"/>
+          </a:p>
+          <a:p>
+            <a:endParaRPr lang="en-US" altLang="ko-KR"/>
+          </a:p>
+          <a:p>
+            <a:endParaRPr lang="en-US" altLang="ko-KR"/>
+          </a:p>
+          <a:p>
+            <a:endParaRPr lang="en-US" altLang="ko-KR"/>
+          </a:p>
+          <a:p>
+            <a:endParaRPr lang="en-US" altLang="ko-KR"/>
+          </a:p>
+          <a:p>
+            <a:r>
+              <a:rPr lang="en-US" altLang="ko-KR"/>
+              <a:t>/checkId</a:t>
+            </a:r>
+          </a:p>
+          <a:p>
+            <a:r>
+              <a:rPr lang="en-US" altLang="ko-KR"/>
+              <a:t>checkId()</a:t>
+            </a:r>
+          </a:p>
+          <a:p>
+            <a:r>
+              <a:rPr lang="en-US" altLang="ko-KR"/>
+              <a:t>*checkUser</a:t>
+            </a:r>
+            <a:r>
+              <a:rPr lang="ko-KR" altLang="en-US"/>
+              <a:t>가 </a:t>
+            </a:r>
+            <a:r>
+              <a:rPr lang="en-US" altLang="ko-KR"/>
+              <a:t>null -&gt; return 0</a:t>
+            </a:r>
+          </a:p>
+          <a:p>
+            <a:r>
+              <a:rPr lang="ko-KR" altLang="en-US"/>
+              <a:t>아니면 </a:t>
+            </a:r>
+            <a:r>
+              <a:rPr lang="en-US" altLang="ko-KR"/>
+              <a:t>-&gt; return 1(</a:t>
+            </a:r>
+            <a:r>
+              <a:rPr lang="ko-KR" altLang="en-US"/>
+              <a:t>중복</a:t>
+            </a:r>
+            <a:r>
+              <a:rPr lang="en-US" altLang="ko-KR"/>
+              <a:t>)</a:t>
+            </a:r>
+          </a:p>
+        </p:txBody>
+      </p:sp>
+      <p:sp>
+        <p:nvSpPr>
+          <p:cNvPr id="13" name="텍스트 개체 틀 12">
+            <a:extLst>
+              <a:ext uri="{FF2B5EF4-FFF2-40B4-BE49-F238E27FC236}">
+                <a16:creationId xmlns:a16="http://schemas.microsoft.com/office/drawing/2014/main" id="{5E4FE50A-86CA-4CA2-870A-191FDA8BE018}"/>
+              </a:ext>
+            </a:extLst>
+          </p:cNvPr>
+          <p:cNvSpPr>
+            <a:spLocks noGrp="1"/>
+          </p:cNvSpPr>
+          <p:nvPr>
+            <p:ph type="body" sz="quarter" idx="20"/>
+          </p:nvPr>
+        </p:nvSpPr>
+        <p:spPr/>
+        <p:txBody>
+          <a:bodyPr/>
+          <a:lstStyle/>
+          <a:p>
+            <a:endParaRPr lang="en-US" altLang="ko-KR"/>
+          </a:p>
+          <a:p>
+            <a:endParaRPr lang="en-US" altLang="ko-KR"/>
+          </a:p>
+          <a:p>
+            <a:endParaRPr lang="en-US" altLang="ko-KR"/>
+          </a:p>
+          <a:p>
+            <a:endParaRPr lang="en-US" altLang="ko-KR"/>
+          </a:p>
+          <a:p>
+            <a:endParaRPr lang="en-US" altLang="ko-KR"/>
+          </a:p>
+          <a:p>
+            <a:endParaRPr lang="en-US" altLang="ko-KR"/>
+          </a:p>
+          <a:p>
+            <a:endParaRPr lang="en-US" altLang="ko-KR"/>
+          </a:p>
+          <a:p>
+            <a:endParaRPr lang="en-US" altLang="ko-KR"/>
+          </a:p>
+          <a:p>
+            <a:endParaRPr lang="en-US" altLang="ko-KR"/>
+          </a:p>
+          <a:p>
+            <a:endParaRPr lang="en-US" altLang="ko-KR"/>
+          </a:p>
+          <a:p>
+            <a:r>
+              <a:rPr lang="en-US" altLang="ko-KR"/>
+              <a:t>checkId()</a:t>
+            </a:r>
+          </a:p>
+          <a:p>
+            <a:endParaRPr lang="en-US" altLang="ko-KR"/>
+          </a:p>
+          <a:p>
+            <a:endParaRPr lang="ko-KR" altLang="en-US"/>
+          </a:p>
+        </p:txBody>
+      </p:sp>
+      <p:sp>
+        <p:nvSpPr>
+          <p:cNvPr id="14" name="텍스트 개체 틀 13">
+            <a:extLst>
+              <a:ext uri="{FF2B5EF4-FFF2-40B4-BE49-F238E27FC236}">
+                <a16:creationId xmlns:a16="http://schemas.microsoft.com/office/drawing/2014/main" id="{7B2AC91A-F046-427E-9711-61547604F173}"/>
+              </a:ext>
+            </a:extLst>
+          </p:cNvPr>
+          <p:cNvSpPr>
+            <a:spLocks noGrp="1"/>
+          </p:cNvSpPr>
+          <p:nvPr>
+            <p:ph type="body" sz="quarter" idx="21"/>
+          </p:nvPr>
+        </p:nvSpPr>
+        <p:spPr>
+          <a:xfrm>
+            <a:off x="8655475" y="631724"/>
+            <a:ext cx="2160588" cy="6226275"/>
+          </a:xfrm>
+        </p:spPr>
+        <p:txBody>
+          <a:bodyPr/>
+          <a:lstStyle/>
+          <a:p>
+            <a:endParaRPr lang="en-US" altLang="ko-KR"/>
+          </a:p>
+          <a:p>
+            <a:endParaRPr lang="en-US" altLang="ko-KR"/>
+          </a:p>
+          <a:p>
+            <a:endParaRPr lang="en-US" altLang="ko-KR"/>
+          </a:p>
+          <a:p>
+            <a:endParaRPr lang="en-US" altLang="ko-KR"/>
+          </a:p>
+          <a:p>
+            <a:endParaRPr lang="en-US" altLang="ko-KR"/>
+          </a:p>
+          <a:p>
+            <a:endParaRPr lang="en-US" altLang="ko-KR"/>
+          </a:p>
+          <a:p>
+            <a:endParaRPr lang="en-US" altLang="ko-KR"/>
+          </a:p>
+          <a:p>
+            <a:endParaRPr lang="en-US" altLang="ko-KR"/>
+          </a:p>
+          <a:p>
+            <a:endParaRPr lang="en-US" altLang="ko-KR"/>
+          </a:p>
+          <a:p>
+            <a:endParaRPr lang="en-US" altLang="ko-KR"/>
+          </a:p>
+          <a:p>
+            <a:r>
+              <a:rPr lang="en-US" altLang="ko-KR"/>
+              <a:t>selectUserById()</a:t>
+            </a:r>
+          </a:p>
+          <a:p>
+            <a:endParaRPr lang="en-US" altLang="ko-KR"/>
+          </a:p>
+        </p:txBody>
+      </p:sp>
+      <p:sp>
+        <p:nvSpPr>
+          <p:cNvPr id="15" name="텍스트 개체 틀 14">
+            <a:extLst>
+              <a:ext uri="{FF2B5EF4-FFF2-40B4-BE49-F238E27FC236}">
+                <a16:creationId xmlns:a16="http://schemas.microsoft.com/office/drawing/2014/main" id="{975B1A76-510D-44E2-A370-98E65213993C}"/>
+              </a:ext>
+            </a:extLst>
+          </p:cNvPr>
+          <p:cNvSpPr>
+            <a:spLocks noGrp="1"/>
+          </p:cNvSpPr>
+          <p:nvPr>
+            <p:ph type="body" sz="quarter" idx="22"/>
+          </p:nvPr>
+        </p:nvSpPr>
+        <p:spPr/>
+        <p:txBody>
+          <a:bodyPr/>
+          <a:lstStyle/>
+          <a:p>
+            <a:endParaRPr lang="en-US" altLang="ko-KR"/>
+          </a:p>
+          <a:p>
+            <a:endParaRPr lang="en-US" altLang="ko-KR"/>
+          </a:p>
+          <a:p>
+            <a:endParaRPr lang="en-US" altLang="ko-KR"/>
+          </a:p>
+          <a:p>
+            <a:endParaRPr lang="en-US" altLang="ko-KR"/>
+          </a:p>
+          <a:p>
+            <a:endParaRPr lang="en-US" altLang="ko-KR"/>
+          </a:p>
+          <a:p>
+            <a:endParaRPr lang="en-US" altLang="ko-KR"/>
+          </a:p>
+          <a:p>
+            <a:endParaRPr lang="en-US" altLang="ko-KR"/>
+          </a:p>
+          <a:p>
+            <a:endParaRPr lang="en-US" altLang="ko-KR"/>
+          </a:p>
+          <a:p>
+            <a:endParaRPr lang="en-US" altLang="ko-KR"/>
+          </a:p>
+          <a:p>
+            <a:endParaRPr lang="en-US" altLang="ko-KR"/>
+          </a:p>
+          <a:p>
+            <a:r>
+              <a:rPr lang="en-US" altLang="ko-KR"/>
+              <a:t>selectOne</a:t>
+            </a:r>
+          </a:p>
+        </p:txBody>
+      </p:sp>
+      <p:sp>
+        <p:nvSpPr>
+          <p:cNvPr id="16" name="텍스트 개체 틀 15">
+            <a:extLst>
+              <a:ext uri="{FF2B5EF4-FFF2-40B4-BE49-F238E27FC236}">
+                <a16:creationId xmlns:a16="http://schemas.microsoft.com/office/drawing/2014/main" id="{0990B707-2652-47F7-9FC8-21783FE61067}"/>
+              </a:ext>
+            </a:extLst>
+          </p:cNvPr>
+          <p:cNvSpPr>
+            <a:spLocks noGrp="1"/>
+          </p:cNvSpPr>
+          <p:nvPr>
+            <p:ph type="body" sz="quarter" idx="23"/>
+          </p:nvPr>
+        </p:nvSpPr>
+        <p:spPr/>
+        <p:txBody>
+          <a:bodyPr/>
+          <a:lstStyle/>
+          <a:p>
+            <a:endParaRPr lang="en-US" altLang="ko-KR"/>
+          </a:p>
+          <a:p>
+            <a:endParaRPr lang="en-US" altLang="ko-KR"/>
+          </a:p>
+          <a:p>
+            <a:endParaRPr lang="en-US" altLang="ko-KR"/>
+          </a:p>
+          <a:p>
+            <a:endParaRPr lang="en-US" altLang="ko-KR"/>
+          </a:p>
+          <a:p>
+            <a:endParaRPr lang="en-US" altLang="ko-KR"/>
+          </a:p>
+          <a:p>
+            <a:endParaRPr lang="en-US" altLang="ko-KR"/>
+          </a:p>
+          <a:p>
+            <a:endParaRPr lang="en-US" altLang="ko-KR"/>
+          </a:p>
+          <a:p>
+            <a:endParaRPr lang="en-US" altLang="ko-KR"/>
+          </a:p>
+          <a:p>
+            <a:endParaRPr lang="en-US" altLang="ko-KR"/>
+          </a:p>
+          <a:p>
+            <a:endParaRPr lang="en-US" altLang="ko-KR"/>
+          </a:p>
+          <a:p>
+            <a:r>
+              <a:rPr lang="en-US" altLang="ko-KR"/>
+              <a:t>user.selectUserById</a:t>
+            </a:r>
+          </a:p>
+          <a:p>
+            <a:endParaRPr lang="en-US" altLang="ko-KR"/>
+          </a:p>
+          <a:p>
+            <a:endParaRPr lang="ko-KR" altLang="en-US"/>
+          </a:p>
+        </p:txBody>
+      </p:sp>
+      <p:cxnSp>
+        <p:nvCxnSpPr>
+          <p:cNvPr id="17" name="직선 화살표 연결선 16">
+            <a:extLst>
+              <a:ext uri="{FF2B5EF4-FFF2-40B4-BE49-F238E27FC236}">
+                <a16:creationId xmlns:a16="http://schemas.microsoft.com/office/drawing/2014/main" id="{91329D8F-ABA8-48FD-AF8C-A41C765BF232}"/>
+              </a:ext>
+            </a:extLst>
+          </p:cNvPr>
+          <p:cNvCxnSpPr>
+            <a:cxnSpLocks/>
+          </p:cNvCxnSpPr>
+          <p:nvPr/>
+        </p:nvCxnSpPr>
+        <p:spPr>
+          <a:xfrm>
+            <a:off x="1552150" y="1156444"/>
+            <a:ext cx="3414297" cy="0"/>
+          </a:xfrm>
+          <a:prstGeom prst="straightConnector1">
+            <a:avLst/>
+          </a:prstGeom>
+          <a:ln w="19050">
+            <a:tailEnd type="triangle"/>
+          </a:ln>
+        </p:spPr>
+        <p:style>
+          <a:lnRef idx="1">
+            <a:schemeClr val="accent1"/>
+          </a:lnRef>
+          <a:fillRef idx="0">
+            <a:schemeClr val="accent1"/>
+          </a:fillRef>
+          <a:effectRef idx="0">
+            <a:schemeClr val="accent1"/>
+          </a:effectRef>
+          <a:fontRef idx="minor">
+            <a:schemeClr val="tx1"/>
+          </a:fontRef>
+        </p:style>
+      </p:cxnSp>
+      <p:cxnSp>
+        <p:nvCxnSpPr>
+          <p:cNvPr id="18" name="직선 화살표 연결선 17">
+            <a:extLst>
+              <a:ext uri="{FF2B5EF4-FFF2-40B4-BE49-F238E27FC236}">
+                <a16:creationId xmlns:a16="http://schemas.microsoft.com/office/drawing/2014/main" id="{572EA0F8-BA3D-489A-AD8A-66E4E9B2C018}"/>
+              </a:ext>
+            </a:extLst>
+          </p:cNvPr>
+          <p:cNvCxnSpPr>
+            <a:cxnSpLocks/>
+          </p:cNvCxnSpPr>
+          <p:nvPr/>
+        </p:nvCxnSpPr>
+        <p:spPr>
+          <a:xfrm flipH="1">
+            <a:off x="3679875" y="1317808"/>
+            <a:ext cx="1308847" cy="0"/>
+          </a:xfrm>
+          <a:prstGeom prst="straightConnector1">
+            <a:avLst/>
+          </a:prstGeom>
+          <a:ln w="19050">
+            <a:tailEnd type="triangle"/>
+          </a:ln>
+        </p:spPr>
+        <p:style>
+          <a:lnRef idx="1">
+            <a:schemeClr val="accent2"/>
+          </a:lnRef>
+          <a:fillRef idx="0">
+            <a:schemeClr val="accent2"/>
+          </a:fillRef>
+          <a:effectRef idx="0">
+            <a:schemeClr val="accent2"/>
+          </a:effectRef>
+          <a:fontRef idx="minor">
+            <a:schemeClr val="tx1"/>
+          </a:fontRef>
+        </p:style>
+      </p:cxnSp>
+      <p:cxnSp>
+        <p:nvCxnSpPr>
+          <p:cNvPr id="23" name="직선 화살표 연결선 22">
+            <a:extLst>
+              <a:ext uri="{FF2B5EF4-FFF2-40B4-BE49-F238E27FC236}">
+                <a16:creationId xmlns:a16="http://schemas.microsoft.com/office/drawing/2014/main" id="{7D28BBBD-A607-4C4D-98E0-AB5E8B2DC456}"/>
+              </a:ext>
+            </a:extLst>
+          </p:cNvPr>
+          <p:cNvCxnSpPr>
+            <a:cxnSpLocks/>
+          </p:cNvCxnSpPr>
+          <p:nvPr/>
+        </p:nvCxnSpPr>
+        <p:spPr>
+          <a:xfrm flipH="1">
+            <a:off x="1501398" y="1317808"/>
+            <a:ext cx="1308847" cy="0"/>
+          </a:xfrm>
+          <a:prstGeom prst="straightConnector1">
+            <a:avLst/>
+          </a:prstGeom>
+          <a:ln w="19050">
+            <a:tailEnd type="triangle"/>
+          </a:ln>
+        </p:spPr>
+        <p:style>
+          <a:lnRef idx="1">
+            <a:schemeClr val="accent2"/>
+          </a:lnRef>
+          <a:fillRef idx="0">
+            <a:schemeClr val="accent2"/>
+          </a:fillRef>
+          <a:effectRef idx="0">
+            <a:schemeClr val="accent2"/>
+          </a:effectRef>
+          <a:fontRef idx="minor">
+            <a:schemeClr val="tx1"/>
+          </a:fontRef>
+        </p:style>
+      </p:cxnSp>
+      <p:cxnSp>
+        <p:nvCxnSpPr>
+          <p:cNvPr id="25" name="직선 화살표 연결선 24">
+            <a:extLst>
+              <a:ext uri="{FF2B5EF4-FFF2-40B4-BE49-F238E27FC236}">
+                <a16:creationId xmlns:a16="http://schemas.microsoft.com/office/drawing/2014/main" id="{A49AE789-B19D-4B81-A212-2119463A9E17}"/>
+              </a:ext>
+            </a:extLst>
+          </p:cNvPr>
+          <p:cNvCxnSpPr>
+            <a:cxnSpLocks/>
+          </p:cNvCxnSpPr>
+          <p:nvPr/>
+        </p:nvCxnSpPr>
+        <p:spPr>
+          <a:xfrm>
+            <a:off x="1552150" y="1156344"/>
+            <a:ext cx="3414297" cy="0"/>
+          </a:xfrm>
+          <a:prstGeom prst="straightConnector1">
+            <a:avLst/>
+          </a:prstGeom>
+          <a:ln w="19050">
+            <a:tailEnd type="triangle"/>
+          </a:ln>
+        </p:spPr>
+        <p:style>
+          <a:lnRef idx="1">
+            <a:schemeClr val="accent1"/>
+          </a:lnRef>
+          <a:fillRef idx="0">
+            <a:schemeClr val="accent1"/>
+          </a:fillRef>
+          <a:effectRef idx="0">
+            <a:schemeClr val="accent1"/>
+          </a:effectRef>
+          <a:fontRef idx="minor">
+            <a:schemeClr val="tx1"/>
+          </a:fontRef>
+        </p:style>
+      </p:cxnSp>
+      <p:sp>
+        <p:nvSpPr>
+          <p:cNvPr id="28" name="TextBox 27">
+            <a:extLst>
+              <a:ext uri="{FF2B5EF4-FFF2-40B4-BE49-F238E27FC236}">
+                <a16:creationId xmlns:a16="http://schemas.microsoft.com/office/drawing/2014/main" id="{8EEED3B6-B25F-4800-9DCE-1585B4544BBF}"/>
+              </a:ext>
+            </a:extLst>
+          </p:cNvPr>
+          <p:cNvSpPr txBox="1"/>
+          <p:nvPr/>
+        </p:nvSpPr>
+        <p:spPr>
+          <a:xfrm>
+            <a:off x="6206382" y="2060455"/>
+            <a:ext cx="774251" cy="153888"/>
+          </a:xfrm>
+          <a:prstGeom prst="rect">
+            <a:avLst/>
+          </a:prstGeom>
+          <a:solidFill>
+            <a:schemeClr val="bg1"/>
+          </a:solidFill>
+        </p:spPr>
+        <p:txBody>
+          <a:bodyPr wrap="none" lIns="0" tIns="0" rIns="0" bIns="0" rtlCol="0">
+            <a:spAutoFit/>
+          </a:bodyPr>
+          <a:lstStyle/>
+          <a:p>
+            <a:r>
+              <a:rPr lang="en-US" altLang="ko-KR" sz="1000">
+                <a:solidFill>
+                  <a:schemeClr val="accent1"/>
+                </a:solidFill>
+              </a:rPr>
+              <a:t>UserVo userVo</a:t>
+            </a:r>
+            <a:endParaRPr lang="ko-KR" altLang="en-US" sz="1000">
+              <a:solidFill>
+                <a:schemeClr val="accent1"/>
+              </a:solidFill>
+            </a:endParaRPr>
+          </a:p>
+        </p:txBody>
+      </p:sp>
+      <p:sp>
+        <p:nvSpPr>
+          <p:cNvPr id="63" name="TextBox 62">
+            <a:extLst>
+              <a:ext uri="{FF2B5EF4-FFF2-40B4-BE49-F238E27FC236}">
+                <a16:creationId xmlns:a16="http://schemas.microsoft.com/office/drawing/2014/main" id="{EE84A099-2AD2-41B1-86B2-797C707BCF9D}"/>
+              </a:ext>
+            </a:extLst>
+          </p:cNvPr>
+          <p:cNvSpPr txBox="1"/>
+          <p:nvPr/>
+        </p:nvSpPr>
+        <p:spPr>
+          <a:xfrm>
+            <a:off x="7680009" y="56905"/>
+            <a:ext cx="774251" cy="153888"/>
+          </a:xfrm>
+          <a:prstGeom prst="rect">
+            <a:avLst/>
+          </a:prstGeom>
+          <a:solidFill>
+            <a:schemeClr val="bg1"/>
+          </a:solidFill>
+        </p:spPr>
+        <p:txBody>
+          <a:bodyPr wrap="none" lIns="0" tIns="0" rIns="0" bIns="0" rtlCol="0">
+            <a:spAutoFit/>
+          </a:bodyPr>
+          <a:lstStyle/>
+          <a:p>
+            <a:r>
+              <a:rPr lang="en-US" altLang="ko-KR" sz="1000">
+                <a:solidFill>
+                  <a:schemeClr val="accent2"/>
+                </a:solidFill>
+              </a:rPr>
+              <a:t>UserVo userVo</a:t>
+            </a:r>
+            <a:endParaRPr lang="ko-KR" altLang="en-US" sz="1000">
+              <a:solidFill>
+                <a:schemeClr val="accent2"/>
+              </a:solidFill>
+            </a:endParaRPr>
+          </a:p>
+        </p:txBody>
+      </p:sp>
+      <p:cxnSp>
+        <p:nvCxnSpPr>
+          <p:cNvPr id="98" name="직선 연결선 97">
+            <a:extLst>
+              <a:ext uri="{FF2B5EF4-FFF2-40B4-BE49-F238E27FC236}">
+                <a16:creationId xmlns:a16="http://schemas.microsoft.com/office/drawing/2014/main" id="{8F17677B-F476-49DB-9117-C394E32E4784}"/>
+              </a:ext>
+            </a:extLst>
+          </p:cNvPr>
+          <p:cNvCxnSpPr/>
+          <p:nvPr/>
+        </p:nvCxnSpPr>
+        <p:spPr>
+          <a:xfrm>
+            <a:off x="0" y="1757076"/>
+            <a:ext cx="15051741" cy="0"/>
+          </a:xfrm>
+          <a:prstGeom prst="line">
+            <a:avLst/>
+          </a:prstGeom>
+          <a:ln>
+            <a:solidFill>
+              <a:schemeClr val="tx1">
+                <a:lumMod val="50000"/>
+                <a:lumOff val="50000"/>
+              </a:schemeClr>
+            </a:solidFill>
+            <a:prstDash val="sysDash"/>
+          </a:ln>
+        </p:spPr>
+        <p:style>
+          <a:lnRef idx="1">
+            <a:schemeClr val="accent1"/>
+          </a:lnRef>
+          <a:fillRef idx="0">
+            <a:schemeClr val="accent1"/>
+          </a:fillRef>
+          <a:effectRef idx="0">
+            <a:schemeClr val="accent1"/>
+          </a:effectRef>
+          <a:fontRef idx="minor">
+            <a:schemeClr val="tx1"/>
+          </a:fontRef>
+        </p:style>
+      </p:cxnSp>
+      <p:cxnSp>
+        <p:nvCxnSpPr>
+          <p:cNvPr id="76" name="직선 화살표 연결선 75">
+            <a:extLst>
+              <a:ext uri="{FF2B5EF4-FFF2-40B4-BE49-F238E27FC236}">
+                <a16:creationId xmlns:a16="http://schemas.microsoft.com/office/drawing/2014/main" id="{4A43510F-D9AB-4F67-9E25-1445B06DC5D8}"/>
+              </a:ext>
+            </a:extLst>
+          </p:cNvPr>
+          <p:cNvCxnSpPr>
+            <a:cxnSpLocks/>
+          </p:cNvCxnSpPr>
+          <p:nvPr/>
+        </p:nvCxnSpPr>
+        <p:spPr>
+          <a:xfrm flipH="1">
+            <a:off x="1184430" y="1423358"/>
+            <a:ext cx="1964212" cy="517585"/>
+          </a:xfrm>
+          <a:prstGeom prst="straightConnector1">
+            <a:avLst/>
+          </a:prstGeom>
+          <a:ln w="19050">
+            <a:tailEnd type="triangle"/>
+          </a:ln>
+        </p:spPr>
+        <p:style>
+          <a:lnRef idx="1">
+            <a:schemeClr val="accent1"/>
+          </a:lnRef>
+          <a:fillRef idx="0">
+            <a:schemeClr val="accent1"/>
+          </a:fillRef>
+          <a:effectRef idx="0">
+            <a:schemeClr val="accent1"/>
+          </a:effectRef>
+          <a:fontRef idx="minor">
+            <a:schemeClr val="tx1"/>
+          </a:fontRef>
+        </p:style>
+      </p:cxnSp>
+      <p:cxnSp>
+        <p:nvCxnSpPr>
+          <p:cNvPr id="80" name="직선 화살표 연결선 79">
+            <a:extLst>
+              <a:ext uri="{FF2B5EF4-FFF2-40B4-BE49-F238E27FC236}">
+                <a16:creationId xmlns:a16="http://schemas.microsoft.com/office/drawing/2014/main" id="{1A7EE180-FB3C-41D6-A088-CB7B549A9553}"/>
+              </a:ext>
+            </a:extLst>
+          </p:cNvPr>
+          <p:cNvCxnSpPr>
+            <a:cxnSpLocks/>
+          </p:cNvCxnSpPr>
+          <p:nvPr/>
+        </p:nvCxnSpPr>
+        <p:spPr>
+          <a:xfrm>
+            <a:off x="1552150" y="2234641"/>
+            <a:ext cx="3414297" cy="0"/>
+          </a:xfrm>
+          <a:prstGeom prst="straightConnector1">
+            <a:avLst/>
+          </a:prstGeom>
+          <a:ln w="19050">
+            <a:tailEnd type="triangle"/>
+          </a:ln>
+        </p:spPr>
+        <p:style>
+          <a:lnRef idx="1">
+            <a:schemeClr val="accent1"/>
+          </a:lnRef>
+          <a:fillRef idx="0">
+            <a:schemeClr val="accent1"/>
+          </a:fillRef>
+          <a:effectRef idx="0">
+            <a:schemeClr val="accent1"/>
+          </a:effectRef>
+          <a:fontRef idx="minor">
+            <a:schemeClr val="tx1"/>
+          </a:fontRef>
+        </p:style>
+      </p:cxnSp>
+      <p:sp>
+        <p:nvSpPr>
+          <p:cNvPr id="81" name="TextBox 80">
+            <a:extLst>
+              <a:ext uri="{FF2B5EF4-FFF2-40B4-BE49-F238E27FC236}">
+                <a16:creationId xmlns:a16="http://schemas.microsoft.com/office/drawing/2014/main" id="{D76FB730-B925-4EB4-BA56-34E67D7625F3}"/>
+              </a:ext>
+            </a:extLst>
+          </p:cNvPr>
+          <p:cNvSpPr txBox="1"/>
+          <p:nvPr/>
+        </p:nvSpPr>
+        <p:spPr>
+          <a:xfrm>
+            <a:off x="2761516" y="2059444"/>
+            <a:ext cx="743793" cy="184666"/>
+          </a:xfrm>
+          <a:prstGeom prst="rect">
+            <a:avLst/>
+          </a:prstGeom>
+          <a:solidFill>
+            <a:schemeClr val="bg1"/>
+          </a:solidFill>
+        </p:spPr>
+        <p:txBody>
+          <a:bodyPr wrap="none" lIns="0" tIns="0" rIns="0" bIns="0" rtlCol="0">
+            <a:spAutoFit/>
+          </a:bodyPr>
+          <a:lstStyle/>
+          <a:p>
+            <a:r>
+              <a:rPr lang="en-US" altLang="ko-KR" sz="1000">
+                <a:solidFill>
+                  <a:srgbClr val="FF0000"/>
+                </a:solidFill>
+              </a:rPr>
+              <a:t>ajax</a:t>
+            </a:r>
+            <a:r>
+              <a:rPr lang="ko-KR" altLang="en-US" sz="1000">
+                <a:solidFill>
+                  <a:srgbClr val="FF0000"/>
+                </a:solidFill>
+              </a:rPr>
+              <a:t>요청</a:t>
+            </a:r>
+            <a:r>
+              <a:rPr lang="en-US" altLang="ko-KR" sz="1000">
+                <a:solidFill>
+                  <a:srgbClr val="FF0000"/>
+                </a:solidFill>
+              </a:rPr>
+              <a:t>! </a:t>
+            </a:r>
+            <a:r>
+              <a:rPr lang="en-US" altLang="ko-KR" sz="1200">
+                <a:solidFill>
+                  <a:schemeClr val="accent1"/>
+                </a:solidFill>
+              </a:rPr>
+              <a:t>(id)</a:t>
+            </a:r>
+            <a:endParaRPr lang="ko-KR" altLang="en-US" sz="1000">
+              <a:solidFill>
+                <a:schemeClr val="accent1"/>
+              </a:solidFill>
+            </a:endParaRPr>
+          </a:p>
+        </p:txBody>
+      </p:sp>
+      <p:cxnSp>
+        <p:nvCxnSpPr>
+          <p:cNvPr id="82" name="직선 화살표 연결선 81">
+            <a:extLst>
+              <a:ext uri="{FF2B5EF4-FFF2-40B4-BE49-F238E27FC236}">
+                <a16:creationId xmlns:a16="http://schemas.microsoft.com/office/drawing/2014/main" id="{1642200F-861C-470F-892C-F224D191792A}"/>
+              </a:ext>
+            </a:extLst>
+          </p:cNvPr>
+          <p:cNvCxnSpPr>
+            <a:cxnSpLocks/>
+          </p:cNvCxnSpPr>
+          <p:nvPr/>
+        </p:nvCxnSpPr>
+        <p:spPr>
+          <a:xfrm>
+            <a:off x="5818721" y="2234641"/>
+            <a:ext cx="1427468" cy="0"/>
+          </a:xfrm>
+          <a:prstGeom prst="straightConnector1">
+            <a:avLst/>
+          </a:prstGeom>
+          <a:ln w="19050">
+            <a:tailEnd type="triangle"/>
+          </a:ln>
+        </p:spPr>
+        <p:style>
+          <a:lnRef idx="1">
+            <a:schemeClr val="accent1"/>
+          </a:lnRef>
+          <a:fillRef idx="0">
+            <a:schemeClr val="accent1"/>
+          </a:fillRef>
+          <a:effectRef idx="0">
+            <a:schemeClr val="accent1"/>
+          </a:effectRef>
+          <a:fontRef idx="minor">
+            <a:schemeClr val="tx1"/>
+          </a:fontRef>
+        </p:style>
+      </p:cxnSp>
+      <p:sp>
+        <p:nvSpPr>
+          <p:cNvPr id="95" name="TextBox 94">
+            <a:extLst>
+              <a:ext uri="{FF2B5EF4-FFF2-40B4-BE49-F238E27FC236}">
+                <a16:creationId xmlns:a16="http://schemas.microsoft.com/office/drawing/2014/main" id="{383B6C1C-1E92-4C11-9D95-BAF33F694DB8}"/>
+              </a:ext>
+            </a:extLst>
+          </p:cNvPr>
+          <p:cNvSpPr txBox="1"/>
+          <p:nvPr/>
+        </p:nvSpPr>
+        <p:spPr>
+          <a:xfrm>
+            <a:off x="8246403" y="2060455"/>
+            <a:ext cx="774251" cy="153888"/>
+          </a:xfrm>
+          <a:prstGeom prst="rect">
+            <a:avLst/>
+          </a:prstGeom>
+          <a:solidFill>
+            <a:schemeClr val="bg1"/>
+          </a:solidFill>
+        </p:spPr>
+        <p:txBody>
+          <a:bodyPr wrap="none" lIns="0" tIns="0" rIns="0" bIns="0" rtlCol="0">
+            <a:spAutoFit/>
+          </a:bodyPr>
+          <a:lstStyle/>
+          <a:p>
+            <a:r>
+              <a:rPr lang="en-US" altLang="ko-KR" sz="1000">
+                <a:solidFill>
+                  <a:schemeClr val="accent1"/>
+                </a:solidFill>
+              </a:rPr>
+              <a:t>UserVo userVo</a:t>
+            </a:r>
+            <a:endParaRPr lang="ko-KR" altLang="en-US" sz="1000">
+              <a:solidFill>
+                <a:schemeClr val="accent1"/>
+              </a:solidFill>
+            </a:endParaRPr>
+          </a:p>
+        </p:txBody>
+      </p:sp>
+      <p:cxnSp>
+        <p:nvCxnSpPr>
+          <p:cNvPr id="97" name="직선 화살표 연결선 96">
+            <a:extLst>
+              <a:ext uri="{FF2B5EF4-FFF2-40B4-BE49-F238E27FC236}">
+                <a16:creationId xmlns:a16="http://schemas.microsoft.com/office/drawing/2014/main" id="{202A2A5F-4277-4E06-BA63-AD8D0CFD04E4}"/>
+              </a:ext>
+            </a:extLst>
+          </p:cNvPr>
+          <p:cNvCxnSpPr>
+            <a:cxnSpLocks/>
+          </p:cNvCxnSpPr>
+          <p:nvPr/>
+        </p:nvCxnSpPr>
+        <p:spPr>
+          <a:xfrm>
+            <a:off x="7923627" y="2234641"/>
+            <a:ext cx="1297698" cy="0"/>
+          </a:xfrm>
+          <a:prstGeom prst="straightConnector1">
+            <a:avLst/>
+          </a:prstGeom>
+          <a:ln w="19050">
+            <a:tailEnd type="triangle"/>
+          </a:ln>
+        </p:spPr>
+        <p:style>
+          <a:lnRef idx="1">
+            <a:schemeClr val="accent1"/>
+          </a:lnRef>
+          <a:fillRef idx="0">
+            <a:schemeClr val="accent1"/>
+          </a:fillRef>
+          <a:effectRef idx="0">
+            <a:schemeClr val="accent1"/>
+          </a:effectRef>
+          <a:fontRef idx="minor">
+            <a:schemeClr val="tx1"/>
+          </a:fontRef>
+        </p:style>
+      </p:cxnSp>
+      <p:sp>
+        <p:nvSpPr>
+          <p:cNvPr id="101" name="TextBox 100">
+            <a:extLst>
+              <a:ext uri="{FF2B5EF4-FFF2-40B4-BE49-F238E27FC236}">
+                <a16:creationId xmlns:a16="http://schemas.microsoft.com/office/drawing/2014/main" id="{165EC948-FCFF-4AC8-A57F-62B6A00C1520}"/>
+              </a:ext>
+            </a:extLst>
+          </p:cNvPr>
+          <p:cNvSpPr txBox="1"/>
+          <p:nvPr/>
+        </p:nvSpPr>
+        <p:spPr>
+          <a:xfrm>
+            <a:off x="10545330" y="2060455"/>
+            <a:ext cx="774251" cy="153888"/>
+          </a:xfrm>
+          <a:prstGeom prst="rect">
+            <a:avLst/>
+          </a:prstGeom>
+          <a:solidFill>
+            <a:schemeClr val="bg1"/>
+          </a:solidFill>
+        </p:spPr>
+        <p:txBody>
+          <a:bodyPr wrap="none" lIns="0" tIns="0" rIns="0" bIns="0" rtlCol="0">
+            <a:spAutoFit/>
+          </a:bodyPr>
+          <a:lstStyle/>
+          <a:p>
+            <a:r>
+              <a:rPr lang="en-US" altLang="ko-KR" sz="1000">
+                <a:solidFill>
+                  <a:schemeClr val="accent1"/>
+                </a:solidFill>
+              </a:rPr>
+              <a:t>UserVo userVo</a:t>
+            </a:r>
+            <a:endParaRPr lang="ko-KR" altLang="en-US" sz="1000">
+              <a:solidFill>
+                <a:schemeClr val="accent1"/>
+              </a:solidFill>
+            </a:endParaRPr>
+          </a:p>
+        </p:txBody>
+      </p:sp>
+      <p:cxnSp>
+        <p:nvCxnSpPr>
+          <p:cNvPr id="102" name="직선 화살표 연결선 101">
+            <a:extLst>
+              <a:ext uri="{FF2B5EF4-FFF2-40B4-BE49-F238E27FC236}">
+                <a16:creationId xmlns:a16="http://schemas.microsoft.com/office/drawing/2014/main" id="{648E34A9-359D-47B2-AF0F-E97DD597B609}"/>
+              </a:ext>
+            </a:extLst>
+          </p:cNvPr>
+          <p:cNvCxnSpPr>
+            <a:cxnSpLocks/>
+          </p:cNvCxnSpPr>
+          <p:nvPr/>
+        </p:nvCxnSpPr>
+        <p:spPr>
+          <a:xfrm>
+            <a:off x="10222554" y="2234641"/>
+            <a:ext cx="1297698" cy="0"/>
+          </a:xfrm>
+          <a:prstGeom prst="straightConnector1">
+            <a:avLst/>
+          </a:prstGeom>
+          <a:ln w="19050">
+            <a:tailEnd type="triangle"/>
+          </a:ln>
+        </p:spPr>
+        <p:style>
+          <a:lnRef idx="1">
+            <a:schemeClr val="accent1"/>
+          </a:lnRef>
+          <a:fillRef idx="0">
+            <a:schemeClr val="accent1"/>
+          </a:fillRef>
+          <a:effectRef idx="0">
+            <a:schemeClr val="accent1"/>
+          </a:effectRef>
+          <a:fontRef idx="minor">
+            <a:schemeClr val="tx1"/>
+          </a:fontRef>
+        </p:style>
+      </p:cxnSp>
+      <p:sp>
+        <p:nvSpPr>
+          <p:cNvPr id="103" name="TextBox 102">
+            <a:extLst>
+              <a:ext uri="{FF2B5EF4-FFF2-40B4-BE49-F238E27FC236}">
+                <a16:creationId xmlns:a16="http://schemas.microsoft.com/office/drawing/2014/main" id="{EA2736B2-9AF3-4CC8-A2AB-334552130886}"/>
+              </a:ext>
+            </a:extLst>
+          </p:cNvPr>
+          <p:cNvSpPr txBox="1"/>
+          <p:nvPr/>
+        </p:nvSpPr>
+        <p:spPr>
+          <a:xfrm>
+            <a:off x="12444969" y="2060455"/>
+            <a:ext cx="774251" cy="153888"/>
+          </a:xfrm>
+          <a:prstGeom prst="rect">
+            <a:avLst/>
+          </a:prstGeom>
+          <a:solidFill>
+            <a:schemeClr val="bg1"/>
+          </a:solidFill>
+        </p:spPr>
+        <p:txBody>
+          <a:bodyPr wrap="none" lIns="0" tIns="0" rIns="0" bIns="0" rtlCol="0">
+            <a:spAutoFit/>
+          </a:bodyPr>
+          <a:lstStyle/>
+          <a:p>
+            <a:r>
+              <a:rPr lang="en-US" altLang="ko-KR" sz="1000">
+                <a:solidFill>
+                  <a:schemeClr val="accent1"/>
+                </a:solidFill>
+              </a:rPr>
+              <a:t>UserVo userVo</a:t>
+            </a:r>
+            <a:endParaRPr lang="ko-KR" altLang="en-US" sz="1000">
+              <a:solidFill>
+                <a:schemeClr val="accent1"/>
+              </a:solidFill>
+            </a:endParaRPr>
+          </a:p>
+        </p:txBody>
+      </p:sp>
+      <p:cxnSp>
+        <p:nvCxnSpPr>
+          <p:cNvPr id="104" name="직선 화살표 연결선 103">
+            <a:extLst>
+              <a:ext uri="{FF2B5EF4-FFF2-40B4-BE49-F238E27FC236}">
+                <a16:creationId xmlns:a16="http://schemas.microsoft.com/office/drawing/2014/main" id="{2FC3DCC8-2237-411C-A27F-C5F9756BE162}"/>
+              </a:ext>
+            </a:extLst>
+          </p:cNvPr>
+          <p:cNvCxnSpPr>
+            <a:cxnSpLocks/>
+          </p:cNvCxnSpPr>
+          <p:nvPr/>
+        </p:nvCxnSpPr>
+        <p:spPr>
+          <a:xfrm>
+            <a:off x="12303812" y="2234641"/>
+            <a:ext cx="1072477" cy="0"/>
+          </a:xfrm>
+          <a:prstGeom prst="straightConnector1">
+            <a:avLst/>
+          </a:prstGeom>
+          <a:ln w="19050">
+            <a:tailEnd type="triangle"/>
+          </a:ln>
+        </p:spPr>
+        <p:style>
+          <a:lnRef idx="1">
+            <a:schemeClr val="accent1"/>
+          </a:lnRef>
+          <a:fillRef idx="0">
+            <a:schemeClr val="accent1"/>
+          </a:fillRef>
+          <a:effectRef idx="0">
+            <a:schemeClr val="accent1"/>
+          </a:effectRef>
+          <a:fontRef idx="minor">
+            <a:schemeClr val="tx1"/>
+          </a:fontRef>
+        </p:style>
+      </p:cxnSp>
+      <p:cxnSp>
+        <p:nvCxnSpPr>
+          <p:cNvPr id="105" name="직선 화살표 연결선 104">
+            <a:extLst>
+              <a:ext uri="{FF2B5EF4-FFF2-40B4-BE49-F238E27FC236}">
+                <a16:creationId xmlns:a16="http://schemas.microsoft.com/office/drawing/2014/main" id="{453DECB4-43AD-479C-A112-918DBFF0E1E1}"/>
+              </a:ext>
+            </a:extLst>
+          </p:cNvPr>
+          <p:cNvCxnSpPr>
+            <a:cxnSpLocks/>
+          </p:cNvCxnSpPr>
+          <p:nvPr/>
+        </p:nvCxnSpPr>
+        <p:spPr>
+          <a:xfrm flipH="1">
+            <a:off x="12311048" y="2318474"/>
+            <a:ext cx="1023285" cy="0"/>
+          </a:xfrm>
+          <a:prstGeom prst="straightConnector1">
+            <a:avLst/>
+          </a:prstGeom>
+          <a:ln w="19050">
+            <a:tailEnd type="triangle"/>
+          </a:ln>
+        </p:spPr>
+        <p:style>
+          <a:lnRef idx="1">
+            <a:schemeClr val="accent2"/>
+          </a:lnRef>
+          <a:fillRef idx="0">
+            <a:schemeClr val="accent2"/>
+          </a:fillRef>
+          <a:effectRef idx="0">
+            <a:schemeClr val="accent2"/>
+          </a:effectRef>
+          <a:fontRef idx="minor">
+            <a:schemeClr val="tx1"/>
+          </a:fontRef>
+        </p:style>
+      </p:cxnSp>
+      <p:sp>
+        <p:nvSpPr>
+          <p:cNvPr id="106" name="TextBox 105">
+            <a:extLst>
+              <a:ext uri="{FF2B5EF4-FFF2-40B4-BE49-F238E27FC236}">
+                <a16:creationId xmlns:a16="http://schemas.microsoft.com/office/drawing/2014/main" id="{42216657-8BF1-48C6-AF60-4F31FEADB00E}"/>
+              </a:ext>
+            </a:extLst>
+          </p:cNvPr>
+          <p:cNvSpPr txBox="1"/>
+          <p:nvPr/>
+        </p:nvSpPr>
+        <p:spPr>
+          <a:xfrm>
+            <a:off x="12435564" y="2344352"/>
+            <a:ext cx="947375" cy="307777"/>
+          </a:xfrm>
+          <a:prstGeom prst="rect">
+            <a:avLst/>
+          </a:prstGeom>
+          <a:solidFill>
+            <a:schemeClr val="bg1"/>
+          </a:solidFill>
+        </p:spPr>
+        <p:txBody>
+          <a:bodyPr wrap="none" lIns="0" tIns="0" rIns="0" bIns="0" rtlCol="0">
+            <a:spAutoFit/>
+          </a:bodyPr>
+          <a:lstStyle/>
+          <a:p>
+            <a:r>
+              <a:rPr lang="en-US" altLang="ko-KR" sz="1000">
+                <a:solidFill>
+                  <a:schemeClr val="accent2"/>
+                </a:solidFill>
+              </a:rPr>
+              <a:t>UserVo checkUser</a:t>
+            </a:r>
+          </a:p>
+          <a:p>
+            <a:r>
+              <a:rPr lang="en-US" altLang="ko-KR" sz="1000">
+                <a:solidFill>
+                  <a:schemeClr val="accent2"/>
+                </a:solidFill>
+              </a:rPr>
+              <a:t>       (no, name)</a:t>
+            </a:r>
+            <a:endParaRPr lang="ko-KR" altLang="en-US" sz="1000">
+              <a:solidFill>
+                <a:schemeClr val="accent2"/>
+              </a:solidFill>
+            </a:endParaRPr>
+          </a:p>
+        </p:txBody>
+      </p:sp>
+      <p:sp>
+        <p:nvSpPr>
+          <p:cNvPr id="107" name="TextBox 106">
+            <a:extLst>
+              <a:ext uri="{FF2B5EF4-FFF2-40B4-BE49-F238E27FC236}">
+                <a16:creationId xmlns:a16="http://schemas.microsoft.com/office/drawing/2014/main" id="{6430E76B-DC44-40A1-B35A-F6C99E08162D}"/>
+              </a:ext>
+            </a:extLst>
+          </p:cNvPr>
+          <p:cNvSpPr txBox="1"/>
+          <p:nvPr/>
+        </p:nvSpPr>
+        <p:spPr>
+          <a:xfrm>
+            <a:off x="10442671" y="2344352"/>
+            <a:ext cx="947375" cy="153888"/>
+          </a:xfrm>
+          <a:prstGeom prst="rect">
+            <a:avLst/>
+          </a:prstGeom>
+          <a:solidFill>
+            <a:schemeClr val="bg1"/>
+          </a:solidFill>
+        </p:spPr>
+        <p:txBody>
+          <a:bodyPr wrap="none" lIns="0" tIns="0" rIns="0" bIns="0" rtlCol="0">
+            <a:spAutoFit/>
+          </a:bodyPr>
+          <a:lstStyle/>
+          <a:p>
+            <a:r>
+              <a:rPr lang="en-US" altLang="ko-KR" sz="1000">
+                <a:solidFill>
+                  <a:schemeClr val="accent2"/>
+                </a:solidFill>
+              </a:rPr>
+              <a:t>UserVo checkUser</a:t>
+            </a:r>
+          </a:p>
+        </p:txBody>
+      </p:sp>
+      <p:cxnSp>
+        <p:nvCxnSpPr>
+          <p:cNvPr id="108" name="직선 화살표 연결선 107">
+            <a:extLst>
+              <a:ext uri="{FF2B5EF4-FFF2-40B4-BE49-F238E27FC236}">
+                <a16:creationId xmlns:a16="http://schemas.microsoft.com/office/drawing/2014/main" id="{4DC97FE8-359D-4F68-9AD1-39E2E635E040}"/>
+              </a:ext>
+            </a:extLst>
+          </p:cNvPr>
+          <p:cNvCxnSpPr>
+            <a:cxnSpLocks/>
+          </p:cNvCxnSpPr>
+          <p:nvPr/>
+        </p:nvCxnSpPr>
+        <p:spPr>
+          <a:xfrm flipH="1">
+            <a:off x="10196975" y="2318474"/>
+            <a:ext cx="1238175" cy="0"/>
+          </a:xfrm>
+          <a:prstGeom prst="straightConnector1">
+            <a:avLst/>
+          </a:prstGeom>
+          <a:ln w="19050">
+            <a:tailEnd type="triangle"/>
+          </a:ln>
+        </p:spPr>
+        <p:style>
+          <a:lnRef idx="1">
+            <a:schemeClr val="accent2"/>
+          </a:lnRef>
+          <a:fillRef idx="0">
+            <a:schemeClr val="accent2"/>
+          </a:fillRef>
+          <a:effectRef idx="0">
+            <a:schemeClr val="accent2"/>
+          </a:effectRef>
+          <a:fontRef idx="minor">
+            <a:schemeClr val="tx1"/>
+          </a:fontRef>
+        </p:style>
+      </p:cxnSp>
+      <p:sp>
+        <p:nvSpPr>
+          <p:cNvPr id="109" name="TextBox 108">
+            <a:extLst>
+              <a:ext uri="{FF2B5EF4-FFF2-40B4-BE49-F238E27FC236}">
+                <a16:creationId xmlns:a16="http://schemas.microsoft.com/office/drawing/2014/main" id="{C62F48FC-AB4E-43F4-A3D5-7804CDEDCE47}"/>
+              </a:ext>
+            </a:extLst>
+          </p:cNvPr>
+          <p:cNvSpPr txBox="1"/>
+          <p:nvPr/>
+        </p:nvSpPr>
+        <p:spPr>
+          <a:xfrm>
+            <a:off x="8128011" y="2344352"/>
+            <a:ext cx="947375" cy="153888"/>
+          </a:xfrm>
+          <a:prstGeom prst="rect">
+            <a:avLst/>
+          </a:prstGeom>
+          <a:solidFill>
+            <a:schemeClr val="bg1"/>
+          </a:solidFill>
+        </p:spPr>
+        <p:txBody>
+          <a:bodyPr wrap="none" lIns="0" tIns="0" rIns="0" bIns="0" rtlCol="0">
+            <a:spAutoFit/>
+          </a:bodyPr>
+          <a:lstStyle/>
+          <a:p>
+            <a:r>
+              <a:rPr lang="en-US" altLang="ko-KR" sz="1000">
+                <a:solidFill>
+                  <a:schemeClr val="accent2"/>
+                </a:solidFill>
+              </a:rPr>
+              <a:t>UserVo checkUser</a:t>
+            </a:r>
+          </a:p>
+        </p:txBody>
+      </p:sp>
+      <p:cxnSp>
+        <p:nvCxnSpPr>
+          <p:cNvPr id="110" name="직선 화살표 연결선 109">
+            <a:extLst>
+              <a:ext uri="{FF2B5EF4-FFF2-40B4-BE49-F238E27FC236}">
+                <a16:creationId xmlns:a16="http://schemas.microsoft.com/office/drawing/2014/main" id="{A080A56D-24EB-456D-A7D0-BFE0EDEC1DD6}"/>
+              </a:ext>
+            </a:extLst>
+          </p:cNvPr>
+          <p:cNvCxnSpPr>
+            <a:cxnSpLocks/>
+          </p:cNvCxnSpPr>
+          <p:nvPr/>
+        </p:nvCxnSpPr>
+        <p:spPr>
+          <a:xfrm flipH="1">
+            <a:off x="7882315" y="2318474"/>
+            <a:ext cx="1238175" cy="0"/>
+          </a:xfrm>
+          <a:prstGeom prst="straightConnector1">
+            <a:avLst/>
+          </a:prstGeom>
+          <a:ln w="19050">
+            <a:tailEnd type="triangle"/>
+          </a:ln>
+        </p:spPr>
+        <p:style>
+          <a:lnRef idx="1">
+            <a:schemeClr val="accent2"/>
+          </a:lnRef>
+          <a:fillRef idx="0">
+            <a:schemeClr val="accent2"/>
+          </a:fillRef>
+          <a:effectRef idx="0">
+            <a:schemeClr val="accent2"/>
+          </a:effectRef>
+          <a:fontRef idx="minor">
+            <a:schemeClr val="tx1"/>
+          </a:fontRef>
+        </p:style>
+      </p:cxnSp>
+      <p:sp>
+        <p:nvSpPr>
+          <p:cNvPr id="111" name="TextBox 110">
+            <a:extLst>
+              <a:ext uri="{FF2B5EF4-FFF2-40B4-BE49-F238E27FC236}">
+                <a16:creationId xmlns:a16="http://schemas.microsoft.com/office/drawing/2014/main" id="{9C6206F6-22BF-4D1E-9F6E-48E2C4C8A44A}"/>
+              </a:ext>
+            </a:extLst>
+          </p:cNvPr>
+          <p:cNvSpPr txBox="1"/>
+          <p:nvPr/>
+        </p:nvSpPr>
+        <p:spPr>
+          <a:xfrm>
+            <a:off x="6195871" y="2344352"/>
+            <a:ext cx="947375" cy="153888"/>
+          </a:xfrm>
+          <a:prstGeom prst="rect">
+            <a:avLst/>
+          </a:prstGeom>
+          <a:solidFill>
+            <a:schemeClr val="bg1"/>
+          </a:solidFill>
+        </p:spPr>
+        <p:txBody>
+          <a:bodyPr wrap="none" lIns="0" tIns="0" rIns="0" bIns="0" rtlCol="0">
+            <a:spAutoFit/>
+          </a:bodyPr>
+          <a:lstStyle/>
+          <a:p>
+            <a:r>
+              <a:rPr lang="en-US" altLang="ko-KR" sz="1000">
+                <a:solidFill>
+                  <a:schemeClr val="accent2"/>
+                </a:solidFill>
+              </a:rPr>
+              <a:t>UserVo checkUser</a:t>
+            </a:r>
+          </a:p>
+        </p:txBody>
+      </p:sp>
+      <p:cxnSp>
+        <p:nvCxnSpPr>
+          <p:cNvPr id="112" name="직선 화살표 연결선 111">
+            <a:extLst>
+              <a:ext uri="{FF2B5EF4-FFF2-40B4-BE49-F238E27FC236}">
+                <a16:creationId xmlns:a16="http://schemas.microsoft.com/office/drawing/2014/main" id="{6BF7F0F7-A6CF-4F5E-A43E-08526DA4110E}"/>
+              </a:ext>
+            </a:extLst>
+          </p:cNvPr>
+          <p:cNvCxnSpPr>
+            <a:cxnSpLocks/>
+          </p:cNvCxnSpPr>
+          <p:nvPr/>
+        </p:nvCxnSpPr>
+        <p:spPr>
+          <a:xfrm flipH="1">
+            <a:off x="5950175" y="2318474"/>
+            <a:ext cx="1238175" cy="0"/>
+          </a:xfrm>
+          <a:prstGeom prst="straightConnector1">
+            <a:avLst/>
+          </a:prstGeom>
+          <a:ln w="19050">
+            <a:tailEnd type="triangle"/>
+          </a:ln>
+        </p:spPr>
+        <p:style>
+          <a:lnRef idx="1">
+            <a:schemeClr val="accent2"/>
+          </a:lnRef>
+          <a:fillRef idx="0">
+            <a:schemeClr val="accent2"/>
+          </a:fillRef>
+          <a:effectRef idx="0">
+            <a:schemeClr val="accent2"/>
+          </a:effectRef>
+          <a:fontRef idx="minor">
+            <a:schemeClr val="tx1"/>
+          </a:fontRef>
+        </p:style>
+      </p:cxnSp>
+      <p:cxnSp>
+        <p:nvCxnSpPr>
+          <p:cNvPr id="113" name="직선 화살표 연결선 112">
+            <a:extLst>
+              <a:ext uri="{FF2B5EF4-FFF2-40B4-BE49-F238E27FC236}">
+                <a16:creationId xmlns:a16="http://schemas.microsoft.com/office/drawing/2014/main" id="{F0A22D06-0D51-4A38-84E7-75FE5ED3BB49}"/>
+              </a:ext>
+            </a:extLst>
+          </p:cNvPr>
+          <p:cNvCxnSpPr>
+            <a:cxnSpLocks/>
+          </p:cNvCxnSpPr>
+          <p:nvPr/>
+        </p:nvCxnSpPr>
+        <p:spPr>
+          <a:xfrm flipH="1">
+            <a:off x="1512735" y="2318474"/>
+            <a:ext cx="3375325" cy="0"/>
+          </a:xfrm>
+          <a:prstGeom prst="straightConnector1">
+            <a:avLst/>
+          </a:prstGeom>
+          <a:ln w="19050">
+            <a:tailEnd type="triangle"/>
+          </a:ln>
+        </p:spPr>
+        <p:style>
+          <a:lnRef idx="1">
+            <a:schemeClr val="accent2"/>
+          </a:lnRef>
+          <a:fillRef idx="0">
+            <a:schemeClr val="accent2"/>
+          </a:fillRef>
+          <a:effectRef idx="0">
+            <a:schemeClr val="accent2"/>
+          </a:effectRef>
+          <a:fontRef idx="minor">
+            <a:schemeClr val="tx1"/>
+          </a:fontRef>
+        </p:style>
+      </p:cxnSp>
+      <p:sp>
+        <p:nvSpPr>
+          <p:cNvPr id="114" name="TextBox 113">
+            <a:extLst>
+              <a:ext uri="{FF2B5EF4-FFF2-40B4-BE49-F238E27FC236}">
+                <a16:creationId xmlns:a16="http://schemas.microsoft.com/office/drawing/2014/main" id="{1DA8B1AA-B85A-4C37-A826-DB2C3AAE68BD}"/>
+              </a:ext>
+            </a:extLst>
+          </p:cNvPr>
+          <p:cNvSpPr txBox="1"/>
+          <p:nvPr/>
+        </p:nvSpPr>
+        <p:spPr>
+          <a:xfrm>
+            <a:off x="2666336" y="2344352"/>
+            <a:ext cx="1529458" cy="184666"/>
+          </a:xfrm>
+          <a:prstGeom prst="rect">
+            <a:avLst/>
+          </a:prstGeom>
+          <a:solidFill>
+            <a:schemeClr val="bg1"/>
+          </a:solidFill>
+        </p:spPr>
+        <p:txBody>
+          <a:bodyPr wrap="none" lIns="0" tIns="0" rIns="0" bIns="0" rtlCol="0">
+            <a:spAutoFit/>
+          </a:bodyPr>
+          <a:lstStyle/>
+          <a:p>
+            <a:r>
+              <a:rPr lang="en-US" altLang="ko-KR" sz="1000">
+                <a:solidFill>
+                  <a:srgbClr val="FF0000"/>
+                </a:solidFill>
+              </a:rPr>
+              <a:t>json</a:t>
+            </a:r>
+            <a:r>
+              <a:rPr lang="ko-KR" altLang="en-US" sz="1000">
+                <a:solidFill>
+                  <a:srgbClr val="FF0000"/>
+                </a:solidFill>
+              </a:rPr>
+              <a:t>구조로 응답</a:t>
+            </a:r>
+            <a:r>
+              <a:rPr lang="en-US" altLang="ko-KR" sz="1200">
+                <a:solidFill>
+                  <a:srgbClr val="FF0000"/>
+                </a:solidFill>
+              </a:rPr>
+              <a:t>! </a:t>
+            </a:r>
+            <a:r>
+              <a:rPr lang="en-US" altLang="ko-KR" sz="1200">
+                <a:solidFill>
+                  <a:schemeClr val="accent2"/>
+                </a:solidFill>
+              </a:rPr>
+              <a:t>int check</a:t>
+            </a:r>
+            <a:endParaRPr lang="en-US" altLang="ko-KR" sz="1000">
+              <a:solidFill>
+                <a:schemeClr val="accent2"/>
+              </a:solidFill>
+            </a:endParaRPr>
+          </a:p>
+        </p:txBody>
+      </p:sp>
+      <p:sp>
+        <p:nvSpPr>
+          <p:cNvPr id="41" name="직사각형 40">
+            <a:extLst>
+              <a:ext uri="{FF2B5EF4-FFF2-40B4-BE49-F238E27FC236}">
+                <a16:creationId xmlns:a16="http://schemas.microsoft.com/office/drawing/2014/main" id="{43B4B713-D0BD-45AA-A89B-CC8234F6FBF2}"/>
+              </a:ext>
+            </a:extLst>
+          </p:cNvPr>
+          <p:cNvSpPr/>
+          <p:nvPr/>
+        </p:nvSpPr>
+        <p:spPr>
+          <a:xfrm>
+            <a:off x="142747" y="2508879"/>
+            <a:ext cx="1900466" cy="1267458"/>
+          </a:xfrm>
+          <a:prstGeom prst="rect">
+            <a:avLst/>
+          </a:prstGeom>
+          <a:solidFill>
+            <a:schemeClr val="accent4"/>
+          </a:solidFill>
+          <a:ln>
+            <a:noFill/>
+          </a:ln>
+        </p:spPr>
+        <p:style>
+          <a:lnRef idx="2">
+            <a:schemeClr val="accent1">
+              <a:shade val="50000"/>
+            </a:schemeClr>
+          </a:lnRef>
+          <a:fillRef idx="1">
+            <a:schemeClr val="accent1"/>
+          </a:fillRef>
+          <a:effectRef idx="0">
+            <a:schemeClr val="accent1"/>
+          </a:effectRef>
+          <a:fontRef idx="minor">
+            <a:schemeClr val="lt1"/>
+          </a:fontRef>
+        </p:style>
+        <p:txBody>
+          <a:bodyPr wrap="square" lIns="18000" tIns="18000" rIns="18000" bIns="18000" rtlCol="0" anchor="t" anchorCtr="0">
+            <a:spAutoFit/>
+          </a:bodyPr>
+          <a:lstStyle/>
+          <a:p>
+            <a:r>
+              <a:rPr lang="en-US" altLang="ko-KR" sz="1000">
+                <a:solidFill>
+                  <a:schemeClr val="tx1"/>
+                </a:solidFill>
+              </a:rPr>
+              <a:t>js</a:t>
+            </a:r>
+          </a:p>
+          <a:p>
+            <a:r>
+              <a:rPr lang="ko-KR" altLang="en-US" sz="1000">
+                <a:solidFill>
+                  <a:schemeClr val="tx1"/>
+                </a:solidFill>
+              </a:rPr>
+              <a:t>아이디란 밑에 아래와 같이 출력</a:t>
+            </a:r>
+            <a:endParaRPr lang="en-US" altLang="ko-KR" sz="1000">
+              <a:solidFill>
+                <a:schemeClr val="tx1"/>
+              </a:solidFill>
+            </a:endParaRPr>
+          </a:p>
+          <a:p>
+            <a:r>
+              <a:rPr lang="en-US" altLang="ko-KR" sz="1000">
+                <a:solidFill>
+                  <a:schemeClr val="tx1"/>
+                </a:solidFill>
+              </a:rPr>
+              <a:t>check = 0 </a:t>
+            </a:r>
+          </a:p>
+          <a:p>
+            <a:r>
+              <a:rPr lang="en-US" altLang="ko-KR" sz="1000">
+                <a:solidFill>
+                  <a:schemeClr val="tx1"/>
+                </a:solidFill>
+              </a:rPr>
+              <a:t>-&gt; </a:t>
+            </a:r>
+            <a:r>
+              <a:rPr lang="ko-KR" altLang="en-US" sz="1000">
+                <a:solidFill>
+                  <a:schemeClr val="tx1"/>
+                </a:solidFill>
+              </a:rPr>
+              <a:t>사용가능한 아이디입니다</a:t>
+            </a:r>
+            <a:r>
+              <a:rPr lang="en-US" altLang="ko-KR" sz="1000">
+                <a:solidFill>
+                  <a:schemeClr val="tx1"/>
+                </a:solidFill>
+              </a:rPr>
+              <a:t>.</a:t>
+            </a:r>
+          </a:p>
+          <a:p>
+            <a:endParaRPr lang="en-US" altLang="ko-KR" sz="1000">
+              <a:solidFill>
+                <a:schemeClr val="tx1"/>
+              </a:solidFill>
+            </a:endParaRPr>
+          </a:p>
+          <a:p>
+            <a:r>
+              <a:rPr lang="en-US" altLang="ko-KR" sz="1000">
+                <a:solidFill>
+                  <a:schemeClr val="tx1"/>
+                </a:solidFill>
+              </a:rPr>
+              <a:t>check=1</a:t>
+            </a:r>
+          </a:p>
+          <a:p>
+            <a:r>
+              <a:rPr lang="en-US" altLang="ko-KR" sz="1000">
+                <a:solidFill>
+                  <a:schemeClr val="tx1"/>
+                </a:solidFill>
+              </a:rPr>
+              <a:t>-&gt; </a:t>
+            </a:r>
+            <a:r>
+              <a:rPr lang="ko-KR" altLang="en-US" sz="1000">
+                <a:solidFill>
+                  <a:schemeClr val="tx1"/>
+                </a:solidFill>
+              </a:rPr>
+              <a:t>이미 있는 아이디입니다</a:t>
+            </a:r>
+            <a:r>
+              <a:rPr lang="en-US" altLang="ko-KR" sz="1000">
+                <a:solidFill>
+                  <a:schemeClr val="tx1"/>
+                </a:solidFill>
+              </a:rPr>
+              <a:t>. </a:t>
+            </a:r>
+            <a:r>
+              <a:rPr lang="ko-KR" altLang="en-US" sz="1000">
+                <a:solidFill>
+                  <a:schemeClr val="tx1"/>
+                </a:solidFill>
+              </a:rPr>
+              <a:t>다시 입력하세요</a:t>
+            </a:r>
+            <a:r>
+              <a:rPr lang="en-US" altLang="ko-KR" sz="1000">
+                <a:solidFill>
+                  <a:schemeClr val="tx1"/>
+                </a:solidFill>
+              </a:rPr>
+              <a:t>.</a:t>
+            </a:r>
+            <a:endParaRPr lang="ko-KR" altLang="en-US" sz="1000">
+              <a:solidFill>
+                <a:schemeClr val="tx1"/>
+              </a:solidFill>
+            </a:endParaRPr>
+          </a:p>
+        </p:txBody>
+      </p:sp>
+    </p:spTree>
+    <p:extLst>
+      <p:ext uri="{BB962C8B-B14F-4D97-AF65-F5344CB8AC3E}">
+        <p14:creationId xmlns:p14="http://schemas.microsoft.com/office/powerpoint/2010/main" val="4225002807"/>
       </p:ext>
     </p:extLst>
   </p:cSld>
